--- a/paper/Rits_Format_jp.pptx
+++ b/paper/Rits_Format_jp.pptx
@@ -107,6 +107,11 @@
       </a:defRPr>
     </a:lvl9pPr>
   </p:defaultTextStyle>
+  <p:extLst>
+    <p:ext uri="{EFAFB233-063F-42B5-8137-9DF3F51BA10A}">
+      <p15:sldGuideLst xmlns:p15="http://schemas.microsoft.com/office/powerpoint/2012/main"/>
+    </p:ext>
+  </p:extLst>
 </p:presentation>
 </file>
 
@@ -373,7 +378,7 @@
           <a:p>
             <a:fld id="{87303740-7015-4B29-8C5B-7C7E73BA5FD5}" type="datetimeFigureOut">
               <a:rPr kumimoji="1" lang="ja-JP" altLang="en-US" smtClean="0"/>
-              <a:t>2020/11/23</a:t>
+              <a:t>2020/11/29</a:t>
             </a:fld>
             <a:endParaRPr kumimoji="1" lang="ja-JP" altLang="en-US"/>
           </a:p>
@@ -717,7 +722,7 @@
           <a:p>
             <a:fld id="{D8A01835-7B10-4ED5-98BD-3419EE328741}" type="datetime1">
               <a:rPr kumimoji="1" lang="ja-JP" altLang="en-US" smtClean="0"/>
-              <a:t>2020/11/23</a:t>
+              <a:t>2020/11/29</a:t>
             </a:fld>
             <a:endParaRPr kumimoji="1" lang="ja-JP" altLang="en-US"/>
           </a:p>
@@ -967,7 +972,11 @@
           <a:bodyPr anchor="ctr" anchorCtr="0">
             <a:normAutofit/>
           </a:bodyPr>
-          <a:lstStyle/>
+          <a:lstStyle>
+            <a:lvl1pPr algn="ctr">
+              <a:defRPr/>
+            </a:lvl1pPr>
+          </a:lstStyle>
           <a:p>
             <a:endParaRPr kumimoji="1" lang="ja-JP" altLang="en-US" sz="3600" dirty="0"/>
           </a:p>
@@ -1218,7 +1227,7 @@
           <a:p>
             <a:fld id="{F568F08F-1DC0-4930-BF4E-8E61A70AE6D0}" type="datetime1">
               <a:rPr kumimoji="1" lang="ja-JP" altLang="en-US" smtClean="0"/>
-              <a:t>2020/11/23</a:t>
+              <a:t>2020/11/29</a:t>
             </a:fld>
             <a:endParaRPr kumimoji="1" lang="ja-JP" altLang="en-US"/>
           </a:p>
@@ -1458,7 +1467,7 @@
           <a:p>
             <a:fld id="{D8D6CA07-6BB3-4277-9B36-3B9A77BE85E8}" type="datetime1">
               <a:rPr kumimoji="1" lang="ja-JP" altLang="en-US" smtClean="0"/>
-              <a:t>2020/11/23</a:t>
+              <a:t>2020/11/29</a:t>
             </a:fld>
             <a:endParaRPr kumimoji="1" lang="ja-JP" altLang="en-US"/>
           </a:p>
@@ -1703,7 +1712,7 @@
           <a:p>
             <a:fld id="{B3736FD3-C09B-4AB5-83AE-94534BBA2AC4}" type="datetime1">
               <a:rPr kumimoji="1" lang="ja-JP" altLang="en-US" smtClean="0"/>
-              <a:t>2020/11/23</a:t>
+              <a:t>2020/11/29</a:t>
             </a:fld>
             <a:endParaRPr kumimoji="1" lang="ja-JP" altLang="en-US"/>
           </a:p>
@@ -2142,7 +2151,7 @@
           <a:p>
             <a:fld id="{2524B4B4-A594-4801-8E36-F1939D45FFD7}" type="datetime1">
               <a:rPr kumimoji="1" lang="ja-JP" altLang="en-US" smtClean="0"/>
-              <a:t>2020/11/23</a:t>
+              <a:t>2020/11/29</a:t>
             </a:fld>
             <a:endParaRPr kumimoji="1" lang="ja-JP" altLang="en-US"/>
           </a:p>
@@ -2471,7 +2480,7 @@
           <a:p>
             <a:fld id="{723130EB-1A2A-4363-A0CB-8F78064E787B}" type="datetime1">
               <a:rPr kumimoji="1" lang="ja-JP" altLang="en-US" smtClean="0"/>
-              <a:t>2020/11/23</a:t>
+              <a:t>2020/11/29</a:t>
             </a:fld>
             <a:endParaRPr kumimoji="1" lang="ja-JP" altLang="en-US"/>
           </a:p>
@@ -2947,7 +2956,7 @@
           <a:p>
             <a:fld id="{74D003C6-A6EE-48A7-AE4A-C230A035A362}" type="datetime1">
               <a:rPr kumimoji="1" lang="ja-JP" altLang="en-US" smtClean="0"/>
-              <a:t>2020/11/23</a:t>
+              <a:t>2020/11/29</a:t>
             </a:fld>
             <a:endParaRPr kumimoji="1" lang="ja-JP" altLang="en-US"/>
           </a:p>
@@ -3088,7 +3097,7 @@
           <a:p>
             <a:fld id="{533F50F8-E02E-4E97-B853-AD3628137587}" type="datetime1">
               <a:rPr kumimoji="1" lang="ja-JP" altLang="en-US" smtClean="0"/>
-              <a:t>2020/11/23</a:t>
+              <a:t>2020/11/29</a:t>
             </a:fld>
             <a:endParaRPr kumimoji="1" lang="ja-JP" altLang="en-US"/>
           </a:p>
@@ -3201,7 +3210,7 @@
           <a:p>
             <a:fld id="{F11A00CE-6844-4EF5-A570-152B82E8370A}" type="datetime1">
               <a:rPr kumimoji="1" lang="ja-JP" altLang="en-US" smtClean="0"/>
-              <a:t>2020/11/23</a:t>
+              <a:t>2020/11/29</a:t>
             </a:fld>
             <a:endParaRPr kumimoji="1" lang="ja-JP" altLang="en-US"/>
           </a:p>
@@ -3544,7 +3553,7 @@
           <a:p>
             <a:fld id="{B2A27E2D-E73B-499B-B1B6-156A8DDB2FEF}" type="datetime1">
               <a:rPr kumimoji="1" lang="ja-JP" altLang="en-US" smtClean="0"/>
-              <a:t>2020/11/23</a:t>
+              <a:t>2020/11/29</a:t>
             </a:fld>
             <a:endParaRPr kumimoji="1" lang="ja-JP" altLang="en-US"/>
           </a:p>
@@ -3832,7 +3841,7 @@
           <a:p>
             <a:fld id="{463EA2B4-7E42-4242-9726-8BCDAE817088}" type="datetime1">
               <a:rPr kumimoji="1" lang="ja-JP" altLang="en-US" smtClean="0"/>
-              <a:t>2020/11/23</a:t>
+              <a:t>2020/11/29</a:t>
             </a:fld>
             <a:endParaRPr kumimoji="1" lang="ja-JP" altLang="en-US"/>
           </a:p>
@@ -4105,7 +4114,7 @@
           <a:p>
             <a:fld id="{21C3EA37-5089-43BE-9268-20333F3B8EEF}" type="datetime1">
               <a:rPr kumimoji="1" lang="ja-JP" altLang="en-US" smtClean="0"/>
-              <a:t>2020/11/23</a:t>
+              <a:t>2020/11/29</a:t>
             </a:fld>
             <a:endParaRPr kumimoji="1" lang="ja-JP" altLang="en-US"/>
           </a:p>
@@ -4528,7 +4537,7 @@
           <p:cNvPr id="2" name="スライド番号プレースホルダー 1">
             <a:extLst>
               <a:ext uri="{FF2B5EF4-FFF2-40B4-BE49-F238E27FC236}">
-                <a16:creationId xmlns:a16="http://schemas.microsoft.com/office/drawing/2014/main" id="{3B5CDE34-0715-4044-B175-4C22DFEC64FB}"/>
+                <a16:creationId xmlns:a16="http://schemas.microsoft.com/office/drawing/2014/main" id="{9D79E346-9FE7-4067-9840-A3F8DF6D3783}"/>
               </a:ext>
             </a:extLst>
           </p:cNvPr>
@@ -4558,7 +4567,7 @@
           <p:cNvPr id="3" name="タイトル 2">
             <a:extLst>
               <a:ext uri="{FF2B5EF4-FFF2-40B4-BE49-F238E27FC236}">
-                <a16:creationId xmlns:a16="http://schemas.microsoft.com/office/drawing/2014/main" id="{2D29DD88-DF58-493D-9005-AC9AC8858CB6}"/>
+                <a16:creationId xmlns:a16="http://schemas.microsoft.com/office/drawing/2014/main" id="{C97C19AD-7D61-418B-8A62-B49EDEB6AF53}"/>
               </a:ext>
             </a:extLst>
           </p:cNvPr>
@@ -4583,7 +4592,7 @@
           <p:cNvPr id="4" name="字幕 3">
             <a:extLst>
               <a:ext uri="{FF2B5EF4-FFF2-40B4-BE49-F238E27FC236}">
-                <a16:creationId xmlns:a16="http://schemas.microsoft.com/office/drawing/2014/main" id="{9FACF28E-56ED-4A6F-B837-6DDDE1CC7277}"/>
+                <a16:creationId xmlns:a16="http://schemas.microsoft.com/office/drawing/2014/main" id="{70A24990-C16B-4245-98AF-C811BD5E8C0D}"/>
               </a:ext>
             </a:extLst>
           </p:cNvPr>
@@ -4625,7 +4634,7 @@
     </p:spTree>
     <p:extLst>
       <p:ext uri="{BB962C8B-B14F-4D97-AF65-F5344CB8AC3E}">
-        <p14:creationId xmlns:p14="http://schemas.microsoft.com/office/powerpoint/2010/main" val="805425494"/>
+        <p14:creationId xmlns:p14="http://schemas.microsoft.com/office/powerpoint/2010/main" val="2942405255"/>
       </p:ext>
     </p:extLst>
   </p:cSld>

--- a/paper/Rits_Format_jp.pptx
+++ b/paper/Rits_Format_jp.pptx
@@ -974,7 +974,7 @@
           </a:bodyPr>
           <a:lstStyle>
             <a:lvl1pPr algn="ctr">
-              <a:defRPr/>
+              <a:defRPr sz="4000"/>
             </a:lvl1pPr>
           </a:lstStyle>
           <a:p>
@@ -4537,7 +4537,7 @@
           <p:cNvPr id="2" name="スライド番号プレースホルダー 1">
             <a:extLst>
               <a:ext uri="{FF2B5EF4-FFF2-40B4-BE49-F238E27FC236}">
-                <a16:creationId xmlns:a16="http://schemas.microsoft.com/office/drawing/2014/main" id="{9D79E346-9FE7-4067-9840-A3F8DF6D3783}"/>
+                <a16:creationId xmlns:a16="http://schemas.microsoft.com/office/drawing/2014/main" id="{70C7F33D-7A10-4D26-B8B8-920BB725E3B9}"/>
               </a:ext>
             </a:extLst>
           </p:cNvPr>
@@ -4567,7 +4567,7 @@
           <p:cNvPr id="3" name="タイトル 2">
             <a:extLst>
               <a:ext uri="{FF2B5EF4-FFF2-40B4-BE49-F238E27FC236}">
-                <a16:creationId xmlns:a16="http://schemas.microsoft.com/office/drawing/2014/main" id="{C97C19AD-7D61-418B-8A62-B49EDEB6AF53}"/>
+                <a16:creationId xmlns:a16="http://schemas.microsoft.com/office/drawing/2014/main" id="{383A77EB-09A1-42D6-A7C2-B9F2036EAD3D}"/>
               </a:ext>
             </a:extLst>
           </p:cNvPr>
@@ -4592,7 +4592,7 @@
           <p:cNvPr id="4" name="字幕 3">
             <a:extLst>
               <a:ext uri="{FF2B5EF4-FFF2-40B4-BE49-F238E27FC236}">
-                <a16:creationId xmlns:a16="http://schemas.microsoft.com/office/drawing/2014/main" id="{70A24990-C16B-4245-98AF-C811BD5E8C0D}"/>
+                <a16:creationId xmlns:a16="http://schemas.microsoft.com/office/drawing/2014/main" id="{D89FCC0B-5307-4B4B-9468-F28DB65D0FDF}"/>
               </a:ext>
             </a:extLst>
           </p:cNvPr>
@@ -4624,17 +4624,17 @@
               <a:t>JST</a:t>
             </a:r>
             <a:r>
-              <a:rPr lang="ja-JP" altLang="en-US" b="0" dirty="0"/>
+              <a:rPr lang="ja-JP" altLang="en-US" b="0"/>
               <a:t>さきがけ）</a:t>
             </a:r>
-            <a:endParaRPr lang="en-US" altLang="ja-JP" b="0" dirty="0"/>
+            <a:endParaRPr lang="en-US" altLang="ja-JP" b="0"/>
           </a:p>
         </p:txBody>
       </p:sp>
     </p:spTree>
     <p:extLst>
       <p:ext uri="{BB962C8B-B14F-4D97-AF65-F5344CB8AC3E}">
-        <p14:creationId xmlns:p14="http://schemas.microsoft.com/office/powerpoint/2010/main" val="2942405255"/>
+        <p14:creationId xmlns:p14="http://schemas.microsoft.com/office/powerpoint/2010/main" val="3686763552"/>
       </p:ext>
     </p:extLst>
   </p:cSld>

--- a/paper/Rits_Format_jp.pptx
+++ b/paper/Rits_Format_jp.pptx
@@ -378,7 +378,7 @@
           <a:p>
             <a:fld id="{87303740-7015-4B29-8C5B-7C7E73BA5FD5}" type="datetimeFigureOut">
               <a:rPr kumimoji="1" lang="ja-JP" altLang="en-US" smtClean="0"/>
-              <a:t>2020/11/29</a:t>
+              <a:t>2020/12/2</a:t>
             </a:fld>
             <a:endParaRPr kumimoji="1" lang="ja-JP" altLang="en-US"/>
           </a:p>
@@ -722,7 +722,7 @@
           <a:p>
             <a:fld id="{D8A01835-7B10-4ED5-98BD-3419EE328741}" type="datetime1">
               <a:rPr kumimoji="1" lang="ja-JP" altLang="en-US" smtClean="0"/>
-              <a:t>2020/11/29</a:t>
+              <a:t>2020/12/2</a:t>
             </a:fld>
             <a:endParaRPr kumimoji="1" lang="ja-JP" altLang="en-US"/>
           </a:p>
@@ -828,7 +828,7 @@
         </p:nvSpPr>
         <p:spPr>
           <a:xfrm>
-            <a:off x="11052000" y="6405411"/>
+            <a:off x="11052000" y="6415200"/>
             <a:ext cx="930088" cy="452589"/>
           </a:xfrm>
         </p:spPr>
@@ -1227,7 +1227,7 @@
           <a:p>
             <a:fld id="{F568F08F-1DC0-4930-BF4E-8E61A70AE6D0}" type="datetime1">
               <a:rPr kumimoji="1" lang="ja-JP" altLang="en-US" smtClean="0"/>
-              <a:t>2020/11/29</a:t>
+              <a:t>2020/12/2</a:t>
             </a:fld>
             <a:endParaRPr kumimoji="1" lang="ja-JP" altLang="en-US"/>
           </a:p>
@@ -1467,7 +1467,7 @@
           <a:p>
             <a:fld id="{D8D6CA07-6BB3-4277-9B36-3B9A77BE85E8}" type="datetime1">
               <a:rPr kumimoji="1" lang="ja-JP" altLang="en-US" smtClean="0"/>
-              <a:t>2020/11/29</a:t>
+              <a:t>2020/12/2</a:t>
             </a:fld>
             <a:endParaRPr kumimoji="1" lang="ja-JP" altLang="en-US"/>
           </a:p>
@@ -1712,7 +1712,7 @@
           <a:p>
             <a:fld id="{B3736FD3-C09B-4AB5-83AE-94534BBA2AC4}" type="datetime1">
               <a:rPr kumimoji="1" lang="ja-JP" altLang="en-US" smtClean="0"/>
-              <a:t>2020/11/29</a:t>
+              <a:t>2020/12/2</a:t>
             </a:fld>
             <a:endParaRPr kumimoji="1" lang="ja-JP" altLang="en-US"/>
           </a:p>
@@ -1818,7 +1818,7 @@
         </p:nvSpPr>
         <p:spPr>
           <a:xfrm>
-            <a:off x="11052000" y="6405410"/>
+            <a:off x="11052000" y="6415200"/>
             <a:ext cx="930088" cy="452589"/>
           </a:xfrm>
         </p:spPr>
@@ -2151,7 +2151,7 @@
           <a:p>
             <a:fld id="{2524B4B4-A594-4801-8E36-F1939D45FFD7}" type="datetime1">
               <a:rPr kumimoji="1" lang="ja-JP" altLang="en-US" smtClean="0"/>
-              <a:t>2020/11/29</a:t>
+              <a:t>2020/12/2</a:t>
             </a:fld>
             <a:endParaRPr kumimoji="1" lang="ja-JP" altLang="en-US"/>
           </a:p>
@@ -2480,7 +2480,7 @@
           <a:p>
             <a:fld id="{723130EB-1A2A-4363-A0CB-8F78064E787B}" type="datetime1">
               <a:rPr kumimoji="1" lang="ja-JP" altLang="en-US" smtClean="0"/>
-              <a:t>2020/11/29</a:t>
+              <a:t>2020/12/2</a:t>
             </a:fld>
             <a:endParaRPr kumimoji="1" lang="ja-JP" altLang="en-US"/>
           </a:p>
@@ -2956,7 +2956,7 @@
           <a:p>
             <a:fld id="{74D003C6-A6EE-48A7-AE4A-C230A035A362}" type="datetime1">
               <a:rPr kumimoji="1" lang="ja-JP" altLang="en-US" smtClean="0"/>
-              <a:t>2020/11/29</a:t>
+              <a:t>2020/12/2</a:t>
             </a:fld>
             <a:endParaRPr kumimoji="1" lang="ja-JP" altLang="en-US"/>
           </a:p>
@@ -3097,7 +3097,7 @@
           <a:p>
             <a:fld id="{533F50F8-E02E-4E97-B853-AD3628137587}" type="datetime1">
               <a:rPr kumimoji="1" lang="ja-JP" altLang="en-US" smtClean="0"/>
-              <a:t>2020/11/29</a:t>
+              <a:t>2020/12/2</a:t>
             </a:fld>
             <a:endParaRPr kumimoji="1" lang="ja-JP" altLang="en-US"/>
           </a:p>
@@ -3210,7 +3210,7 @@
           <a:p>
             <a:fld id="{F11A00CE-6844-4EF5-A570-152B82E8370A}" type="datetime1">
               <a:rPr kumimoji="1" lang="ja-JP" altLang="en-US" smtClean="0"/>
-              <a:t>2020/11/29</a:t>
+              <a:t>2020/12/2</a:t>
             </a:fld>
             <a:endParaRPr kumimoji="1" lang="ja-JP" altLang="en-US"/>
           </a:p>
@@ -3553,7 +3553,7 @@
           <a:p>
             <a:fld id="{B2A27E2D-E73B-499B-B1B6-156A8DDB2FEF}" type="datetime1">
               <a:rPr kumimoji="1" lang="ja-JP" altLang="en-US" smtClean="0"/>
-              <a:t>2020/11/29</a:t>
+              <a:t>2020/12/2</a:t>
             </a:fld>
             <a:endParaRPr kumimoji="1" lang="ja-JP" altLang="en-US"/>
           </a:p>
@@ -3841,7 +3841,7 @@
           <a:p>
             <a:fld id="{463EA2B4-7E42-4242-9726-8BCDAE817088}" type="datetime1">
               <a:rPr kumimoji="1" lang="ja-JP" altLang="en-US" smtClean="0"/>
-              <a:t>2020/11/29</a:t>
+              <a:t>2020/12/2</a:t>
             </a:fld>
             <a:endParaRPr kumimoji="1" lang="ja-JP" altLang="en-US"/>
           </a:p>
@@ -4114,7 +4114,7 @@
           <a:p>
             <a:fld id="{21C3EA37-5089-43BE-9268-20333F3B8EEF}" type="datetime1">
               <a:rPr kumimoji="1" lang="ja-JP" altLang="en-US" smtClean="0"/>
-              <a:t>2020/11/29</a:t>
+              <a:t>2020/12/2</a:t>
             </a:fld>
             <a:endParaRPr kumimoji="1" lang="ja-JP" altLang="en-US"/>
           </a:p>
@@ -4537,7 +4537,7 @@
           <p:cNvPr id="2" name="スライド番号プレースホルダー 1">
             <a:extLst>
               <a:ext uri="{FF2B5EF4-FFF2-40B4-BE49-F238E27FC236}">
-                <a16:creationId xmlns:a16="http://schemas.microsoft.com/office/drawing/2014/main" id="{70C7F33D-7A10-4D26-B8B8-920BB725E3B9}"/>
+                <a16:creationId xmlns:a16="http://schemas.microsoft.com/office/drawing/2014/main" id="{27FFD132-4798-4D02-A8DF-1A88E9C71C60}"/>
               </a:ext>
             </a:extLst>
           </p:cNvPr>
@@ -4567,7 +4567,7 @@
           <p:cNvPr id="3" name="タイトル 2">
             <a:extLst>
               <a:ext uri="{FF2B5EF4-FFF2-40B4-BE49-F238E27FC236}">
-                <a16:creationId xmlns:a16="http://schemas.microsoft.com/office/drawing/2014/main" id="{383A77EB-09A1-42D6-A7C2-B9F2036EAD3D}"/>
+                <a16:creationId xmlns:a16="http://schemas.microsoft.com/office/drawing/2014/main" id="{AB1F603B-DC1A-4288-AF3F-F3075B42178C}"/>
               </a:ext>
             </a:extLst>
           </p:cNvPr>
@@ -4592,7 +4592,7 @@
           <p:cNvPr id="4" name="字幕 3">
             <a:extLst>
               <a:ext uri="{FF2B5EF4-FFF2-40B4-BE49-F238E27FC236}">
-                <a16:creationId xmlns:a16="http://schemas.microsoft.com/office/drawing/2014/main" id="{D89FCC0B-5307-4B4B-9468-F28DB65D0FDF}"/>
+                <a16:creationId xmlns:a16="http://schemas.microsoft.com/office/drawing/2014/main" id="{054E8254-31BF-4B72-B76E-E4EB00E2A7BD}"/>
               </a:ext>
             </a:extLst>
           </p:cNvPr>
@@ -4624,17 +4624,17 @@
               <a:t>JST</a:t>
             </a:r>
             <a:r>
-              <a:rPr lang="ja-JP" altLang="en-US" b="0"/>
+              <a:rPr lang="ja-JP" altLang="en-US" b="0" dirty="0"/>
               <a:t>さきがけ）</a:t>
             </a:r>
-            <a:endParaRPr lang="en-US" altLang="ja-JP" b="0"/>
+            <a:endParaRPr lang="en-US" altLang="ja-JP" b="0" dirty="0"/>
           </a:p>
         </p:txBody>
       </p:sp>
     </p:spTree>
     <p:extLst>
       <p:ext uri="{BB962C8B-B14F-4D97-AF65-F5344CB8AC3E}">
-        <p14:creationId xmlns:p14="http://schemas.microsoft.com/office/powerpoint/2010/main" val="3686763552"/>
+        <p14:creationId xmlns:p14="http://schemas.microsoft.com/office/powerpoint/2010/main" val="1518834216"/>
       </p:ext>
     </p:extLst>
   </p:cSld>

--- a/paper/Rits_Format_jp.pptx
+++ b/paper/Rits_Format_jp.pptx
@@ -378,7 +378,7 @@
           <a:p>
             <a:fld id="{87303740-7015-4B29-8C5B-7C7E73BA5FD5}" type="datetimeFigureOut">
               <a:rPr kumimoji="1" lang="ja-JP" altLang="en-US" smtClean="0"/>
-              <a:t>2020/12/2</a:t>
+              <a:t>2021/8/24</a:t>
             </a:fld>
             <a:endParaRPr kumimoji="1" lang="ja-JP" altLang="en-US"/>
           </a:p>
@@ -722,7 +722,7 @@
           <a:p>
             <a:fld id="{D8A01835-7B10-4ED5-98BD-3419EE328741}" type="datetime1">
               <a:rPr kumimoji="1" lang="ja-JP" altLang="en-US" smtClean="0"/>
-              <a:t>2020/12/2</a:t>
+              <a:t>2021/8/24</a:t>
             </a:fld>
             <a:endParaRPr kumimoji="1" lang="ja-JP" altLang="en-US"/>
           </a:p>
@@ -948,24 +948,76 @@
       </p:grpSp>
       <p:sp>
         <p:nvSpPr>
-          <p:cNvPr id="14" name="タイトル 1">
-            <a:extLst>
-              <a:ext uri="{FF2B5EF4-FFF2-40B4-BE49-F238E27FC236}">
-                <a16:creationId xmlns:a16="http://schemas.microsoft.com/office/drawing/2014/main" id="{A93B4AB3-6A46-4325-B6D9-A8F8BD4CC08B}"/>
-              </a:ext>
-            </a:extLst>
-          </p:cNvPr>
-          <p:cNvSpPr>
-            <a:spLocks noGrp="1"/>
-          </p:cNvSpPr>
-          <p:nvPr>
-            <p:ph type="ctrTitle"/>
-          </p:nvPr>
+          <p:cNvPr id="19" name="正方形/長方形 18">
+            <a:extLst>
+              <a:ext uri="{FF2B5EF4-FFF2-40B4-BE49-F238E27FC236}">
+                <a16:creationId xmlns:a16="http://schemas.microsoft.com/office/drawing/2014/main" id="{6C9B88C5-A591-4A87-B4A4-DA242751AEE6}"/>
+              </a:ext>
+            </a:extLst>
+          </p:cNvPr>
+          <p:cNvSpPr/>
+          <p:nvPr userDrawn="1"/>
         </p:nvSpPr>
         <p:spPr>
           <a:xfrm>
-            <a:off x="1" y="1933893"/>
-            <a:ext cx="7406640" cy="2387600"/>
+            <a:off x="0" y="3577649"/>
+            <a:ext cx="12192000" cy="2837488"/>
+          </a:xfrm>
+          <a:prstGeom prst="rect">
+            <a:avLst/>
+          </a:prstGeom>
+          <a:solidFill>
+            <a:schemeClr val="bg2"/>
+          </a:solidFill>
+          <a:ln>
+            <a:noFill/>
+          </a:ln>
+        </p:spPr>
+        <p:style>
+          <a:lnRef idx="2">
+            <a:schemeClr val="accent1">
+              <a:shade val="50000"/>
+            </a:schemeClr>
+          </a:lnRef>
+          <a:fillRef idx="1">
+            <a:schemeClr val="accent1"/>
+          </a:fillRef>
+          <a:effectRef idx="0">
+            <a:schemeClr val="accent1"/>
+          </a:effectRef>
+          <a:fontRef idx="minor">
+            <a:schemeClr val="lt1"/>
+          </a:fontRef>
+        </p:style>
+        <p:txBody>
+          <a:bodyPr rtlCol="0" anchor="ctr"/>
+          <a:lstStyle/>
+          <a:p>
+            <a:pPr algn="ctr"/>
+            <a:endParaRPr kumimoji="1" lang="ja-JP" altLang="en-US"/>
+          </a:p>
+        </p:txBody>
+      </p:sp>
+      <p:sp>
+        <p:nvSpPr>
+          <p:cNvPr id="14" name="タイトル 1">
+            <a:extLst>
+              <a:ext uri="{FF2B5EF4-FFF2-40B4-BE49-F238E27FC236}">
+                <a16:creationId xmlns:a16="http://schemas.microsoft.com/office/drawing/2014/main" id="{A93B4AB3-6A46-4325-B6D9-A8F8BD4CC08B}"/>
+              </a:ext>
+            </a:extLst>
+          </p:cNvPr>
+          <p:cNvSpPr>
+            <a:spLocks noGrp="1"/>
+          </p:cNvSpPr>
+          <p:nvPr>
+            <p:ph type="ctrTitle"/>
+          </p:nvPr>
+        </p:nvSpPr>
+        <p:spPr>
+          <a:xfrm>
+            <a:off x="-1988" y="3742577"/>
+            <a:ext cx="12192000" cy="1632204"/>
           </a:xfrm>
         </p:spPr>
         <p:txBody>
@@ -1000,8 +1052,8 @@
         </p:nvSpPr>
         <p:spPr>
           <a:xfrm>
-            <a:off x="7406640" y="1933894"/>
-            <a:ext cx="4785360" cy="2387599"/>
+            <a:off x="4045524" y="5355608"/>
+            <a:ext cx="4107859" cy="795321"/>
           </a:xfrm>
         </p:spPr>
         <p:txBody>
@@ -1021,42 +1073,6 @@
           </a:p>
         </p:txBody>
       </p:sp>
-      <p:cxnSp>
-        <p:nvCxnSpPr>
-          <p:cNvPr id="16" name="直線コネクタ 15">
-            <a:extLst>
-              <a:ext uri="{FF2B5EF4-FFF2-40B4-BE49-F238E27FC236}">
-                <a16:creationId xmlns:a16="http://schemas.microsoft.com/office/drawing/2014/main" id="{76C0FADC-491F-46A4-82DC-D477C50CB68B}"/>
-              </a:ext>
-            </a:extLst>
-          </p:cNvPr>
-          <p:cNvCxnSpPr/>
-          <p:nvPr userDrawn="1"/>
-        </p:nvCxnSpPr>
-        <p:spPr>
-          <a:xfrm>
-            <a:off x="7410617" y="1881346"/>
-            <a:ext cx="0" cy="2492693"/>
-          </a:xfrm>
-          <a:prstGeom prst="line">
-            <a:avLst/>
-          </a:prstGeom>
-        </p:spPr>
-        <p:style>
-          <a:lnRef idx="1">
-            <a:schemeClr val="dk1"/>
-          </a:lnRef>
-          <a:fillRef idx="0">
-            <a:schemeClr val="dk1"/>
-          </a:fillRef>
-          <a:effectRef idx="0">
-            <a:schemeClr val="dk1"/>
-          </a:effectRef>
-          <a:fontRef idx="minor">
-            <a:schemeClr val="tx1"/>
-          </a:fontRef>
-        </p:style>
-      </p:cxnSp>
     </p:spTree>
     <p:extLst>
       <p:ext uri="{BB962C8B-B14F-4D97-AF65-F5344CB8AC3E}">
@@ -1227,7 +1243,7 @@
           <a:p>
             <a:fld id="{F568F08F-1DC0-4930-BF4E-8E61A70AE6D0}" type="datetime1">
               <a:rPr kumimoji="1" lang="ja-JP" altLang="en-US" smtClean="0"/>
-              <a:t>2020/12/2</a:t>
+              <a:t>2021/8/24</a:t>
             </a:fld>
             <a:endParaRPr kumimoji="1" lang="ja-JP" altLang="en-US"/>
           </a:p>
@@ -1467,7 +1483,7 @@
           <a:p>
             <a:fld id="{D8D6CA07-6BB3-4277-9B36-3B9A77BE85E8}" type="datetime1">
               <a:rPr kumimoji="1" lang="ja-JP" altLang="en-US" smtClean="0"/>
-              <a:t>2020/12/2</a:t>
+              <a:t>2021/8/24</a:t>
             </a:fld>
             <a:endParaRPr kumimoji="1" lang="ja-JP" altLang="en-US"/>
           </a:p>
@@ -1712,7 +1728,7 @@
           <a:p>
             <a:fld id="{B3736FD3-C09B-4AB5-83AE-94534BBA2AC4}" type="datetime1">
               <a:rPr kumimoji="1" lang="ja-JP" altLang="en-US" smtClean="0"/>
-              <a:t>2020/12/2</a:t>
+              <a:t>2021/8/24</a:t>
             </a:fld>
             <a:endParaRPr kumimoji="1" lang="ja-JP" altLang="en-US"/>
           </a:p>
@@ -2151,7 +2167,7 @@
           <a:p>
             <a:fld id="{2524B4B4-A594-4801-8E36-F1939D45FFD7}" type="datetime1">
               <a:rPr kumimoji="1" lang="ja-JP" altLang="en-US" smtClean="0"/>
-              <a:t>2020/12/2</a:t>
+              <a:t>2021/8/24</a:t>
             </a:fld>
             <a:endParaRPr kumimoji="1" lang="ja-JP" altLang="en-US"/>
           </a:p>
@@ -2480,7 +2496,7 @@
           <a:p>
             <a:fld id="{723130EB-1A2A-4363-A0CB-8F78064E787B}" type="datetime1">
               <a:rPr kumimoji="1" lang="ja-JP" altLang="en-US" smtClean="0"/>
-              <a:t>2020/12/2</a:t>
+              <a:t>2021/8/24</a:t>
             </a:fld>
             <a:endParaRPr kumimoji="1" lang="ja-JP" altLang="en-US"/>
           </a:p>
@@ -2956,7 +2972,7 @@
           <a:p>
             <a:fld id="{74D003C6-A6EE-48A7-AE4A-C230A035A362}" type="datetime1">
               <a:rPr kumimoji="1" lang="ja-JP" altLang="en-US" smtClean="0"/>
-              <a:t>2020/12/2</a:t>
+              <a:t>2021/8/24</a:t>
             </a:fld>
             <a:endParaRPr kumimoji="1" lang="ja-JP" altLang="en-US"/>
           </a:p>
@@ -3097,7 +3113,7 @@
           <a:p>
             <a:fld id="{533F50F8-E02E-4E97-B853-AD3628137587}" type="datetime1">
               <a:rPr kumimoji="1" lang="ja-JP" altLang="en-US" smtClean="0"/>
-              <a:t>2020/12/2</a:t>
+              <a:t>2021/8/24</a:t>
             </a:fld>
             <a:endParaRPr kumimoji="1" lang="ja-JP" altLang="en-US"/>
           </a:p>
@@ -3210,7 +3226,7 @@
           <a:p>
             <a:fld id="{F11A00CE-6844-4EF5-A570-152B82E8370A}" type="datetime1">
               <a:rPr kumimoji="1" lang="ja-JP" altLang="en-US" smtClean="0"/>
-              <a:t>2020/12/2</a:t>
+              <a:t>2021/8/24</a:t>
             </a:fld>
             <a:endParaRPr kumimoji="1" lang="ja-JP" altLang="en-US"/>
           </a:p>
@@ -3553,7 +3569,7 @@
           <a:p>
             <a:fld id="{B2A27E2D-E73B-499B-B1B6-156A8DDB2FEF}" type="datetime1">
               <a:rPr kumimoji="1" lang="ja-JP" altLang="en-US" smtClean="0"/>
-              <a:t>2020/12/2</a:t>
+              <a:t>2021/8/24</a:t>
             </a:fld>
             <a:endParaRPr kumimoji="1" lang="ja-JP" altLang="en-US"/>
           </a:p>
@@ -3841,7 +3857,7 @@
           <a:p>
             <a:fld id="{463EA2B4-7E42-4242-9726-8BCDAE817088}" type="datetime1">
               <a:rPr kumimoji="1" lang="ja-JP" altLang="en-US" smtClean="0"/>
-              <a:t>2020/12/2</a:t>
+              <a:t>2021/8/24</a:t>
             </a:fld>
             <a:endParaRPr kumimoji="1" lang="ja-JP" altLang="en-US"/>
           </a:p>
@@ -4114,7 +4130,7 @@
           <a:p>
             <a:fld id="{21C3EA37-5089-43BE-9268-20333F3B8EEF}" type="datetime1">
               <a:rPr kumimoji="1" lang="ja-JP" altLang="en-US" smtClean="0"/>
-              <a:t>2020/12/2</a:t>
+              <a:t>2021/8/24</a:t>
             </a:fld>
             <a:endParaRPr kumimoji="1" lang="ja-JP" altLang="en-US"/>
           </a:p>
@@ -4605,29 +4621,248 @@
         </p:nvSpPr>
         <p:spPr/>
         <p:txBody>
-          <a:bodyPr/>
+          <a:bodyPr>
+            <a:normAutofit/>
+          </a:bodyPr>
           <a:lstStyle/>
           <a:p>
-            <a:r>
-              <a:rPr lang="ja-JP" altLang="en-US" dirty="0"/>
-              <a:t>＊藤井敦寛（立命館大学）</a:t>
-            </a:r>
-            <a:endParaRPr lang="en-US" altLang="ja-JP" dirty="0"/>
-          </a:p>
-          <a:p>
-            <a:r>
-              <a:rPr lang="ja-JP" altLang="en-US" b="0" dirty="0"/>
-              <a:t>村尾和哉（立命館大学，</a:t>
-            </a:r>
-            <a:r>
-              <a:rPr lang="en-US" altLang="ja-JP" b="0" dirty="0"/>
+            <a:pPr marL="0" marR="0" lvl="0" indent="0" algn="ctr" defTabSz="914400" rtl="0" eaLnBrk="1" fontAlgn="auto" latinLnBrk="0" hangingPunct="1">
+              <a:lnSpc>
+                <a:spcPct val="90000"/>
+              </a:lnSpc>
+              <a:spcBef>
+                <a:spcPts val="1000"/>
+              </a:spcBef>
+              <a:spcAft>
+                <a:spcPts val="0"/>
+              </a:spcAft>
+              <a:buClrTx/>
+              <a:buSzTx/>
+              <a:buFont typeface="Arial" panose="020B0604020202020204" pitchFamily="34" charset="0"/>
+              <a:buNone/>
+              <a:tabLst/>
+              <a:defRPr/>
+            </a:pPr>
+            <a:r>
+              <a:rPr kumimoji="1" lang="ja-JP" altLang="en-US" sz="2400" b="0" i="0" u="none" strike="noStrike" kern="1200" cap="none" spc="0" normalizeH="0" baseline="0" noProof="0" dirty="0">
+                <a:ln>
+                  <a:noFill/>
+                </a:ln>
+                <a:solidFill>
+                  <a:prstClr val="black"/>
+                </a:solidFill>
+                <a:effectLst/>
+                <a:uLnTx/>
+                <a:uFillTx/>
+                <a:latin typeface="Tw Cen MT" panose="020B0602020104020603"/>
+                <a:ea typeface="HGPｺﾞｼｯｸE" panose="020B0900000000000000" pitchFamily="50" charset="-128"/>
+                <a:cs typeface="+mn-cs"/>
+              </a:rPr>
+              <a:t>＊</a:t>
+            </a:r>
+            <a:r>
+              <a:rPr kumimoji="1" lang="ja-JP" altLang="en-US" sz="2400" b="0" i="0" u="sng" strike="noStrike" kern="1200" cap="none" spc="0" normalizeH="0" baseline="0" noProof="0" dirty="0">
+                <a:ln>
+                  <a:noFill/>
+                </a:ln>
+                <a:solidFill>
+                  <a:prstClr val="black"/>
+                </a:solidFill>
+                <a:effectLst/>
+                <a:uLnTx/>
+                <a:uFillTx/>
+                <a:latin typeface="Tw Cen MT" panose="020B0602020104020603"/>
+                <a:ea typeface="HGPｺﾞｼｯｸE" panose="020B0900000000000000" pitchFamily="50" charset="-128"/>
+                <a:cs typeface="+mn-cs"/>
+              </a:rPr>
+              <a:t>藤井 敦寛</a:t>
+            </a:r>
+            <a:r>
+              <a:rPr kumimoji="1" lang="en-US" altLang="ja-JP" sz="2400" b="0" i="0" u="none" strike="noStrike" kern="1200" cap="none" spc="0" normalizeH="0" baseline="30000" noProof="0" dirty="0">
+                <a:ln>
+                  <a:noFill/>
+                </a:ln>
+                <a:solidFill>
+                  <a:prstClr val="black"/>
+                </a:solidFill>
+                <a:effectLst/>
+                <a:uLnTx/>
+                <a:uFillTx/>
+                <a:latin typeface="Tw Cen MT" panose="020B0602020104020603"/>
+                <a:ea typeface="HGPｺﾞｼｯｸE" panose="020B0900000000000000" pitchFamily="50" charset="-128"/>
+                <a:cs typeface="+mn-cs"/>
+              </a:rPr>
+              <a:t>1</a:t>
+            </a:r>
+            <a:r>
+              <a:rPr kumimoji="1" lang="en-US" altLang="ja-JP" sz="2400" b="1" i="0" u="none" strike="noStrike" kern="1200" cap="none" spc="0" normalizeH="0" baseline="0" noProof="0" dirty="0">
+                <a:ln>
+                  <a:noFill/>
+                </a:ln>
+                <a:solidFill>
+                  <a:prstClr val="black"/>
+                </a:solidFill>
+                <a:effectLst/>
+                <a:uLnTx/>
+                <a:uFillTx/>
+                <a:latin typeface="Tw Cen MT" panose="020B0602020104020603"/>
+                <a:ea typeface="HGPｺﾞｼｯｸE" panose="020B0900000000000000" pitchFamily="50" charset="-128"/>
+                <a:cs typeface="+mn-cs"/>
+              </a:rPr>
+              <a:t> / </a:t>
+            </a:r>
+            <a:r>
+              <a:rPr kumimoji="1" lang="ja-JP" altLang="en-US" sz="2400" b="0" i="0" u="none" strike="noStrike" kern="1200" cap="none" spc="0" normalizeH="0" baseline="0" noProof="0" dirty="0">
+                <a:ln>
+                  <a:noFill/>
+                </a:ln>
+                <a:solidFill>
+                  <a:prstClr val="black"/>
+                </a:solidFill>
+                <a:effectLst/>
+                <a:uLnTx/>
+                <a:uFillTx/>
+                <a:latin typeface="Tw Cen MT" panose="020B0602020104020603"/>
+                <a:ea typeface="HGPｺﾞｼｯｸE" panose="020B0900000000000000" pitchFamily="50" charset="-128"/>
+                <a:cs typeface="+mn-cs"/>
+              </a:rPr>
+              <a:t>村尾 和哉</a:t>
+            </a:r>
+            <a:r>
+              <a:rPr kumimoji="1" lang="en-US" altLang="ja-JP" sz="2400" b="0" i="0" u="none" strike="noStrike" kern="1200" cap="none" spc="0" normalizeH="0" baseline="30000" noProof="0" dirty="0">
+                <a:ln>
+                  <a:noFill/>
+                </a:ln>
+                <a:solidFill>
+                  <a:prstClr val="black"/>
+                </a:solidFill>
+                <a:effectLst/>
+                <a:uLnTx/>
+                <a:uFillTx/>
+                <a:latin typeface="Tw Cen MT" panose="020B0602020104020603"/>
+                <a:ea typeface="HGPｺﾞｼｯｸE" panose="020B0900000000000000" pitchFamily="50" charset="-128"/>
+                <a:cs typeface="+mn-cs"/>
+              </a:rPr>
+              <a:t>1, 2</a:t>
+            </a:r>
+          </a:p>
+          <a:p>
+            <a:pPr marL="0" marR="0" lvl="0" indent="0" algn="ctr" defTabSz="914400" rtl="0" eaLnBrk="1" fontAlgn="auto" latinLnBrk="0" hangingPunct="1">
+              <a:lnSpc>
+                <a:spcPct val="90000"/>
+              </a:lnSpc>
+              <a:spcBef>
+                <a:spcPts val="1000"/>
+              </a:spcBef>
+              <a:spcAft>
+                <a:spcPts val="0"/>
+              </a:spcAft>
+              <a:buClrTx/>
+              <a:buSzTx/>
+              <a:buFont typeface="Arial" panose="020B0604020202020204" pitchFamily="34" charset="0"/>
+              <a:buNone/>
+              <a:tabLst/>
+              <a:defRPr/>
+            </a:pPr>
+            <a:r>
+              <a:rPr kumimoji="1" lang="en-US" altLang="ja-JP" sz="1600" b="0" i="0" u="none" strike="noStrike" kern="1200" cap="none" spc="0" normalizeH="0" baseline="30000" noProof="0" dirty="0">
+                <a:ln>
+                  <a:noFill/>
+                </a:ln>
+                <a:solidFill>
+                  <a:prstClr val="black"/>
+                </a:solidFill>
+                <a:effectLst/>
+                <a:uLnTx/>
+                <a:uFillTx/>
+                <a:latin typeface="Tw Cen MT" panose="020B0602020104020603"/>
+                <a:ea typeface="HGPｺﾞｼｯｸE" panose="020B0900000000000000" pitchFamily="50" charset="-128"/>
+                <a:cs typeface="+mn-cs"/>
+              </a:rPr>
+              <a:t>1</a:t>
+            </a:r>
+            <a:r>
+              <a:rPr kumimoji="1" lang="ja-JP" altLang="en-US" sz="1600" b="0" i="0" u="none" strike="noStrike" kern="1200" cap="none" spc="0" normalizeH="0" baseline="0" noProof="0" dirty="0">
+                <a:ln>
+                  <a:noFill/>
+                </a:ln>
+                <a:solidFill>
+                  <a:prstClr val="black"/>
+                </a:solidFill>
+                <a:effectLst/>
+                <a:uLnTx/>
+                <a:uFillTx/>
+                <a:latin typeface="Tw Cen MT" panose="020B0602020104020603"/>
+                <a:ea typeface="HGPｺﾞｼｯｸE" panose="020B0900000000000000" pitchFamily="50" charset="-128"/>
+                <a:cs typeface="+mn-cs"/>
+              </a:rPr>
+              <a:t>立命館大学，</a:t>
+            </a:r>
+            <a:r>
+              <a:rPr kumimoji="1" lang="en-US" altLang="ja-JP" sz="1600" b="0" i="0" u="none" strike="noStrike" kern="1200" cap="none" spc="0" normalizeH="0" baseline="30000" noProof="0" dirty="0">
+                <a:ln>
+                  <a:noFill/>
+                </a:ln>
+                <a:solidFill>
+                  <a:prstClr val="black"/>
+                </a:solidFill>
+                <a:effectLst/>
+                <a:uLnTx/>
+                <a:uFillTx/>
+                <a:latin typeface="Tw Cen MT" panose="020B0602020104020603"/>
+                <a:ea typeface="HGPｺﾞｼｯｸE" panose="020B0900000000000000" pitchFamily="50" charset="-128"/>
+                <a:cs typeface="+mn-cs"/>
+              </a:rPr>
+              <a:t>2</a:t>
+            </a:r>
+            <a:r>
+              <a:rPr kumimoji="1" lang="en-US" altLang="ja-JP" sz="1600" b="0" i="0" u="none" strike="noStrike" kern="1200" cap="none" spc="0" normalizeH="0" baseline="0" noProof="0" dirty="0">
+                <a:ln>
+                  <a:noFill/>
+                </a:ln>
+                <a:solidFill>
+                  <a:prstClr val="black"/>
+                </a:solidFill>
+                <a:effectLst/>
+                <a:uLnTx/>
+                <a:uFillTx/>
+                <a:latin typeface="Tw Cen MT" panose="020B0602020104020603"/>
+                <a:ea typeface="HGPｺﾞｼｯｸE" panose="020B0900000000000000" pitchFamily="50" charset="-128"/>
+                <a:cs typeface="+mn-cs"/>
+              </a:rPr>
               <a:t>JST</a:t>
             </a:r>
             <a:r>
-              <a:rPr lang="ja-JP" altLang="en-US" b="0" dirty="0"/>
-              <a:t>さきがけ）</a:t>
-            </a:r>
-            <a:endParaRPr lang="en-US" altLang="ja-JP" b="0" dirty="0"/>
+              <a:rPr kumimoji="1" lang="ja-JP" altLang="en-US" sz="1600" b="0" i="0" u="none" strike="noStrike" kern="1200" cap="none" spc="0" normalizeH="0" baseline="0" noProof="0" dirty="0">
+                <a:ln>
+                  <a:noFill/>
+                </a:ln>
+                <a:solidFill>
+                  <a:prstClr val="black"/>
+                </a:solidFill>
+                <a:effectLst/>
+                <a:uLnTx/>
+                <a:uFillTx/>
+                <a:latin typeface="Tw Cen MT" panose="020B0602020104020603"/>
+                <a:ea typeface="HGPｺﾞｼｯｸE" panose="020B0900000000000000" pitchFamily="50" charset="-128"/>
+                <a:cs typeface="+mn-cs"/>
+              </a:rPr>
+              <a:t>さきがけ</a:t>
+            </a:r>
+            <a:endParaRPr kumimoji="1" lang="en-US" altLang="ja-JP" sz="1600" b="0" i="0" u="none" strike="noStrike" kern="1200" cap="none" spc="0" normalizeH="0" baseline="0" noProof="0" dirty="0">
+              <a:ln>
+                <a:noFill/>
+              </a:ln>
+              <a:solidFill>
+                <a:prstClr val="black"/>
+              </a:solidFill>
+              <a:effectLst/>
+              <a:uLnTx/>
+              <a:uFillTx/>
+              <a:latin typeface="Tw Cen MT" panose="020B0602020104020603"/>
+              <a:ea typeface="HGPｺﾞｼｯｸE" panose="020B0900000000000000" pitchFamily="50" charset="-128"/>
+              <a:cs typeface="+mn-cs"/>
+            </a:endParaRPr>
           </a:p>
         </p:txBody>
       </p:sp>
@@ -4685,70 +4920,20 @@
         <a:srgbClr val="954F72"/>
       </a:folHlink>
     </a:clrScheme>
-    <a:fontScheme name="Office">
+    <a:fontScheme name="Tw Cen MT">
       <a:majorFont>
-        <a:latin typeface="游ゴシック Light" panose="020F0302020204030204"/>
+        <a:latin typeface="Tw Cen MT" panose="020B0602020104020603"/>
         <a:ea typeface=""/>
         <a:cs typeface=""/>
-        <a:font script="Jpan" typeface="游ゴシック Light"/>
-        <a:font script="Hang" typeface="맑은 고딕"/>
-        <a:font script="Hans" typeface="等线 Light"/>
-        <a:font script="Hant" typeface="新細明體"/>
-        <a:font script="Arab" typeface="Times New Roman"/>
-        <a:font script="Hebr" typeface="Times New Roman"/>
-        <a:font script="Thai" typeface="Angsana New"/>
-        <a:font script="Ethi" typeface="Nyala"/>
-        <a:font script="Beng" typeface="Vrinda"/>
-        <a:font script="Gujr" typeface="Shruti"/>
-        <a:font script="Khmr" typeface="MoolBoran"/>
-        <a:font script="Knda" typeface="Tunga"/>
-        <a:font script="Guru" typeface="Raavi"/>
-        <a:font script="Cans" typeface="Euphemia"/>
-        <a:font script="Cher" typeface="Plantagenet Cherokee"/>
-        <a:font script="Yiii" typeface="Microsoft Yi Baiti"/>
-        <a:font script="Tibt" typeface="Microsoft Himalaya"/>
-        <a:font script="Thaa" typeface="MV Boli"/>
-        <a:font script="Deva" typeface="Mangal"/>
-        <a:font script="Telu" typeface="Gautami"/>
-        <a:font script="Taml" typeface="Latha"/>
-        <a:font script="Syrc" typeface="Estrangelo Edessa"/>
-        <a:font script="Orya" typeface="Kalinga"/>
-        <a:font script="Mlym" typeface="Kartika"/>
-        <a:font script="Laoo" typeface="DokChampa"/>
-        <a:font script="Sinh" typeface="Iskoola Pota"/>
-        <a:font script="Mong" typeface="Mongolian Baiti"/>
-        <a:font script="Viet" typeface="Times New Roman"/>
-        <a:font script="Uigh" typeface="Microsoft Uighur"/>
-        <a:font script="Geor" typeface="Sylfaen"/>
-        <a:font script="Armn" typeface="Arial"/>
-        <a:font script="Bugi" typeface="Leelawadee UI"/>
-        <a:font script="Bopo" typeface="Microsoft JhengHei"/>
-        <a:font script="Java" typeface="Javanese Text"/>
-        <a:font script="Lisu" typeface="Segoe UI"/>
-        <a:font script="Mymr" typeface="Myanmar Text"/>
-        <a:font script="Nkoo" typeface="Ebrima"/>
-        <a:font script="Olck" typeface="Nirmala UI"/>
-        <a:font script="Osma" typeface="Ebrima"/>
-        <a:font script="Phag" typeface="Phagspa"/>
-        <a:font script="Syrn" typeface="Estrangelo Edessa"/>
-        <a:font script="Syrj" typeface="Estrangelo Edessa"/>
-        <a:font script="Syre" typeface="Estrangelo Edessa"/>
-        <a:font script="Sora" typeface="Nirmala UI"/>
-        <a:font script="Tale" typeface="Microsoft Tai Le"/>
-        <a:font script="Talu" typeface="Microsoft New Tai Lue"/>
-        <a:font script="Tfng" typeface="Ebrima"/>
-      </a:majorFont>
-      <a:minorFont>
-        <a:latin typeface="游ゴシック" panose="020F0502020204030204"/>
-        <a:ea typeface=""/>
-        <a:cs typeface=""/>
-        <a:font script="Jpan" typeface="游ゴシック"/>
-        <a:font script="Hang" typeface="맑은 고딕"/>
-        <a:font script="Hans" typeface="等线"/>
-        <a:font script="Hant" typeface="新細明體"/>
+        <a:font script="Grek" typeface="Calibri"/>
+        <a:font script="Cyrl" typeface="Calibri"/>
+        <a:font script="Jpan" typeface="HGPｺﾞｼｯｸE"/>
+        <a:font script="Hang" typeface="HY얕은샘물M"/>
+        <a:font script="Hans" typeface="华文仿宋"/>
+        <a:font script="Hant" typeface="微軟正黑體"/>
         <a:font script="Arab" typeface="Arial"/>
-        <a:font script="Hebr" typeface="Arial"/>
-        <a:font script="Thai" typeface="Cordia New"/>
+        <a:font script="Hebr" typeface="Levenim MT"/>
+        <a:font script="Thai" typeface="FreesiaUPC"/>
         <a:font script="Ethi" typeface="Nyala"/>
         <a:font script="Beng" typeface="Vrinda"/>
         <a:font script="Gujr" typeface="Shruti"/>
@@ -4769,26 +4954,46 @@
         <a:font script="Laoo" typeface="DokChampa"/>
         <a:font script="Sinh" typeface="Iskoola Pota"/>
         <a:font script="Mong" typeface="Mongolian Baiti"/>
-        <a:font script="Viet" typeface="Arial"/>
+        <a:font script="Viet" typeface="Tahoma"/>
         <a:font script="Uigh" typeface="Microsoft Uighur"/>
         <a:font script="Geor" typeface="Sylfaen"/>
-        <a:font script="Armn" typeface="Arial"/>
-        <a:font script="Bugi" typeface="Leelawadee UI"/>
-        <a:font script="Bopo" typeface="Microsoft JhengHei"/>
-        <a:font script="Java" typeface="Javanese Text"/>
-        <a:font script="Lisu" typeface="Segoe UI"/>
-        <a:font script="Mymr" typeface="Myanmar Text"/>
-        <a:font script="Nkoo" typeface="Ebrima"/>
-        <a:font script="Olck" typeface="Nirmala UI"/>
-        <a:font script="Osma" typeface="Ebrima"/>
-        <a:font script="Phag" typeface="Phagspa"/>
-        <a:font script="Syrn" typeface="Estrangelo Edessa"/>
-        <a:font script="Syrj" typeface="Estrangelo Edessa"/>
-        <a:font script="Syre" typeface="Estrangelo Edessa"/>
-        <a:font script="Sora" typeface="Nirmala UI"/>
-        <a:font script="Tale" typeface="Microsoft Tai Le"/>
-        <a:font script="Talu" typeface="Microsoft New Tai Lue"/>
-        <a:font script="Tfng" typeface="Ebrima"/>
+      </a:majorFont>
+      <a:minorFont>
+        <a:latin typeface="Tw Cen MT" panose="020B0602020104020603"/>
+        <a:ea typeface=""/>
+        <a:cs typeface=""/>
+        <a:font script="Grek" typeface="Calibri"/>
+        <a:font script="Cyrl" typeface="Calibri"/>
+        <a:font script="Jpan" typeface="HGPｺﾞｼｯｸE"/>
+        <a:font script="Hang" typeface="HY얕은샘물M"/>
+        <a:font script="Hans" typeface="华文仿宋"/>
+        <a:font script="Hant" typeface="微軟正黑體"/>
+        <a:font script="Arab" typeface="Arial"/>
+        <a:font script="Hebr" typeface="Levenim MT"/>
+        <a:font script="Thai" typeface="FreesiaUPC"/>
+        <a:font script="Ethi" typeface="Nyala"/>
+        <a:font script="Beng" typeface="Vrinda"/>
+        <a:font script="Gujr" typeface="Shruti"/>
+        <a:font script="Khmr" typeface="DaunPenh"/>
+        <a:font script="Knda" typeface="Tunga"/>
+        <a:font script="Guru" typeface="Raavi"/>
+        <a:font script="Cans" typeface="Euphemia"/>
+        <a:font script="Cher" typeface="Plantagenet Cherokee"/>
+        <a:font script="Yiii" typeface="Microsoft Yi Baiti"/>
+        <a:font script="Tibt" typeface="Microsoft Himalaya"/>
+        <a:font script="Thaa" typeface="MV Boli"/>
+        <a:font script="Deva" typeface="Mangal"/>
+        <a:font script="Telu" typeface="Gautami"/>
+        <a:font script="Taml" typeface="Latha"/>
+        <a:font script="Syrc" typeface="Estrangelo Edessa"/>
+        <a:font script="Orya" typeface="Kalinga"/>
+        <a:font script="Mlym" typeface="Kartika"/>
+        <a:font script="Laoo" typeface="DokChampa"/>
+        <a:font script="Sinh" typeface="Iskoola Pota"/>
+        <a:font script="Mong" typeface="Mongolian Baiti"/>
+        <a:font script="Viet" typeface="Tahoma"/>
+        <a:font script="Uigh" typeface="Microsoft Uighur"/>
+        <a:font script="Geor" typeface="Sylfaen"/>
       </a:minorFont>
     </a:fontScheme>
     <a:fmtScheme name="Office">

--- a/paper/Rits_Format_jp.pptx
+++ b/paper/Rits_Format_jp.pptx
@@ -378,7 +378,7 @@
           <a:p>
             <a:fld id="{87303740-7015-4B29-8C5B-7C7E73BA5FD5}" type="datetimeFigureOut">
               <a:rPr kumimoji="1" lang="ja-JP" altLang="en-US" smtClean="0"/>
-              <a:t>2021/8/24</a:t>
+              <a:t>2021/12/17</a:t>
             </a:fld>
             <a:endParaRPr kumimoji="1" lang="ja-JP" altLang="en-US"/>
           </a:p>
@@ -722,7 +722,7 @@
           <a:p>
             <a:fld id="{D8A01835-7B10-4ED5-98BD-3419EE328741}" type="datetime1">
               <a:rPr kumimoji="1" lang="ja-JP" altLang="en-US" smtClean="0"/>
-              <a:t>2021/8/24</a:t>
+              <a:t>2021/12/17</a:t>
             </a:fld>
             <a:endParaRPr kumimoji="1" lang="ja-JP" altLang="en-US"/>
           </a:p>
@@ -961,7 +961,7 @@
         <p:spPr>
           <a:xfrm>
             <a:off x="0" y="3577649"/>
-            <a:ext cx="12192000" cy="2837488"/>
+            <a:ext cx="12192000" cy="2822432"/>
           </a:xfrm>
           <a:prstGeom prst="rect">
             <a:avLst/>
@@ -1243,7 +1243,7 @@
           <a:p>
             <a:fld id="{F568F08F-1DC0-4930-BF4E-8E61A70AE6D0}" type="datetime1">
               <a:rPr kumimoji="1" lang="ja-JP" altLang="en-US" smtClean="0"/>
-              <a:t>2021/8/24</a:t>
+              <a:t>2021/12/17</a:t>
             </a:fld>
             <a:endParaRPr kumimoji="1" lang="ja-JP" altLang="en-US"/>
           </a:p>
@@ -1483,7 +1483,7 @@
           <a:p>
             <a:fld id="{D8D6CA07-6BB3-4277-9B36-3B9A77BE85E8}" type="datetime1">
               <a:rPr kumimoji="1" lang="ja-JP" altLang="en-US" smtClean="0"/>
-              <a:t>2021/8/24</a:t>
+              <a:t>2021/12/17</a:t>
             </a:fld>
             <a:endParaRPr kumimoji="1" lang="ja-JP" altLang="en-US"/>
           </a:p>
@@ -1728,7 +1728,7 @@
           <a:p>
             <a:fld id="{B3736FD3-C09B-4AB5-83AE-94534BBA2AC4}" type="datetime1">
               <a:rPr kumimoji="1" lang="ja-JP" altLang="en-US" smtClean="0"/>
-              <a:t>2021/8/24</a:t>
+              <a:t>2021/12/17</a:t>
             </a:fld>
             <a:endParaRPr kumimoji="1" lang="ja-JP" altLang="en-US"/>
           </a:p>
@@ -2167,7 +2167,7 @@
           <a:p>
             <a:fld id="{2524B4B4-A594-4801-8E36-F1939D45FFD7}" type="datetime1">
               <a:rPr kumimoji="1" lang="ja-JP" altLang="en-US" smtClean="0"/>
-              <a:t>2021/8/24</a:t>
+              <a:t>2021/12/17</a:t>
             </a:fld>
             <a:endParaRPr kumimoji="1" lang="ja-JP" altLang="en-US"/>
           </a:p>
@@ -2496,7 +2496,7 @@
           <a:p>
             <a:fld id="{723130EB-1A2A-4363-A0CB-8F78064E787B}" type="datetime1">
               <a:rPr kumimoji="1" lang="ja-JP" altLang="en-US" smtClean="0"/>
-              <a:t>2021/8/24</a:t>
+              <a:t>2021/12/17</a:t>
             </a:fld>
             <a:endParaRPr kumimoji="1" lang="ja-JP" altLang="en-US"/>
           </a:p>
@@ -2972,7 +2972,7 @@
           <a:p>
             <a:fld id="{74D003C6-A6EE-48A7-AE4A-C230A035A362}" type="datetime1">
               <a:rPr kumimoji="1" lang="ja-JP" altLang="en-US" smtClean="0"/>
-              <a:t>2021/8/24</a:t>
+              <a:t>2021/12/17</a:t>
             </a:fld>
             <a:endParaRPr kumimoji="1" lang="ja-JP" altLang="en-US"/>
           </a:p>
@@ -3113,7 +3113,7 @@
           <a:p>
             <a:fld id="{533F50F8-E02E-4E97-B853-AD3628137587}" type="datetime1">
               <a:rPr kumimoji="1" lang="ja-JP" altLang="en-US" smtClean="0"/>
-              <a:t>2021/8/24</a:t>
+              <a:t>2021/12/17</a:t>
             </a:fld>
             <a:endParaRPr kumimoji="1" lang="ja-JP" altLang="en-US"/>
           </a:p>
@@ -3226,7 +3226,7 @@
           <a:p>
             <a:fld id="{F11A00CE-6844-4EF5-A570-152B82E8370A}" type="datetime1">
               <a:rPr kumimoji="1" lang="ja-JP" altLang="en-US" smtClean="0"/>
-              <a:t>2021/8/24</a:t>
+              <a:t>2021/12/17</a:t>
             </a:fld>
             <a:endParaRPr kumimoji="1" lang="ja-JP" altLang="en-US"/>
           </a:p>
@@ -3569,7 +3569,7 @@
           <a:p>
             <a:fld id="{B2A27E2D-E73B-499B-B1B6-156A8DDB2FEF}" type="datetime1">
               <a:rPr kumimoji="1" lang="ja-JP" altLang="en-US" smtClean="0"/>
-              <a:t>2021/8/24</a:t>
+              <a:t>2021/12/17</a:t>
             </a:fld>
             <a:endParaRPr kumimoji="1" lang="ja-JP" altLang="en-US"/>
           </a:p>
@@ -3857,7 +3857,7 @@
           <a:p>
             <a:fld id="{463EA2B4-7E42-4242-9726-8BCDAE817088}" type="datetime1">
               <a:rPr kumimoji="1" lang="ja-JP" altLang="en-US" smtClean="0"/>
-              <a:t>2021/8/24</a:t>
+              <a:t>2021/12/17</a:t>
             </a:fld>
             <a:endParaRPr kumimoji="1" lang="ja-JP" altLang="en-US"/>
           </a:p>
@@ -4130,7 +4130,7 @@
           <a:p>
             <a:fld id="{21C3EA37-5089-43BE-9268-20333F3B8EEF}" type="datetime1">
               <a:rPr kumimoji="1" lang="ja-JP" altLang="en-US" smtClean="0"/>
-              <a:t>2021/8/24</a:t>
+              <a:t>2021/12/17</a:t>
             </a:fld>
             <a:endParaRPr kumimoji="1" lang="ja-JP" altLang="en-US"/>
           </a:p>
